--- a/slides/Unit26_Permutation.pptx
+++ b/slides/Unit26_Permutation.pptx
@@ -180,7 +180,7 @@
 <file path=ppt/revisionInfo.xml><?xml version="1.0" encoding="utf-8"?>
 <p1510:revInfo xmlns:a="http://schemas.openxmlformats.org/drawingml/2006/main" xmlns:r="http://schemas.openxmlformats.org/officeDocument/2006/relationships" xmlns:p1510="http://schemas.microsoft.com/office/powerpoint/2015/10/main">
   <p1510:revLst>
-    <p1510:client id="{0DFC046B-AD3B-4EE8-83BD-34C0FBB05724}" v="328" dt="2021-03-15T05:06:25.114"/>
+    <p1510:client id="{0DFC046B-AD3B-4EE8-83BD-34C0FBB05724}" v="519" dt="2021-03-29T05:47:09.356"/>
   </p1510:revLst>
 </p1510:revInfo>
 </file>
@@ -3882,7 +3882,7 @@
   <pc:docChgLst>
     <pc:chgData name="Zhao Jin" userId="cd05a825-544c-438a-9ba1-08e63db50b47" providerId="ADAL" clId="{0DFC046B-AD3B-4EE8-83BD-34C0FBB05724}"/>
     <pc:docChg chg="undo custSel addSld delSld modSld modMainMaster">
-      <pc:chgData name="Zhao Jin" userId="cd05a825-544c-438a-9ba1-08e63db50b47" providerId="ADAL" clId="{0DFC046B-AD3B-4EE8-83BD-34C0FBB05724}" dt="2021-03-15T05:17:44.572" v="1463" actId="20577"/>
+      <pc:chgData name="Zhao Jin" userId="cd05a825-544c-438a-9ba1-08e63db50b47" providerId="ADAL" clId="{0DFC046B-AD3B-4EE8-83BD-34C0FBB05724}" dt="2021-03-29T05:47:09.356" v="1744" actId="20577"/>
       <pc:docMkLst>
         <pc:docMk/>
       </pc:docMkLst>
@@ -4133,7 +4133,7 @@
         </pc:spChg>
       </pc:sldChg>
       <pc:sldChg chg="addSp delSp modSp mod delAnim modAnim">
-        <pc:chgData name="Zhao Jin" userId="cd05a825-544c-438a-9ba1-08e63db50b47" providerId="ADAL" clId="{0DFC046B-AD3B-4EE8-83BD-34C0FBB05724}" dt="2021-03-15T05:06:53.915" v="1462" actId="1035"/>
+        <pc:chgData name="Zhao Jin" userId="cd05a825-544c-438a-9ba1-08e63db50b47" providerId="ADAL" clId="{0DFC046B-AD3B-4EE8-83BD-34C0FBB05724}" dt="2021-03-29T05:47:09.356" v="1744" actId="20577"/>
         <pc:sldMkLst>
           <pc:docMk/>
           <pc:sldMk cId="4089006062" sldId="642"/>
@@ -4162,8 +4162,16 @@
             <ac:spMk id="8" creationId="{00000000-0000-0000-0000-000000000000}"/>
           </ac:spMkLst>
         </pc:spChg>
+        <pc:spChg chg="add del mod">
+          <ac:chgData name="Zhao Jin" userId="cd05a825-544c-438a-9ba1-08e63db50b47" providerId="ADAL" clId="{0DFC046B-AD3B-4EE8-83BD-34C0FBB05724}" dt="2021-03-29T05:44:42.196" v="1533" actId="478"/>
+          <ac:spMkLst>
+            <pc:docMk/>
+            <pc:sldMk cId="4089006062" sldId="642"/>
+            <ac:spMk id="8" creationId="{43C4629B-1DC8-4FD5-93C1-7034CC64C55E}"/>
+          </ac:spMkLst>
+        </pc:spChg>
         <pc:spChg chg="mod ord">
-          <ac:chgData name="Zhao Jin" userId="cd05a825-544c-438a-9ba1-08e63db50b47" providerId="ADAL" clId="{0DFC046B-AD3B-4EE8-83BD-34C0FBB05724}" dt="2021-03-15T05:06:51.406" v="1455" actId="1035"/>
+          <ac:chgData name="Zhao Jin" userId="cd05a825-544c-438a-9ba1-08e63db50b47" providerId="ADAL" clId="{0DFC046B-AD3B-4EE8-83BD-34C0FBB05724}" dt="2021-03-29T05:47:09.356" v="1744" actId="20577"/>
           <ac:spMkLst>
             <pc:docMk/>
             <pc:sldMk cId="4089006062" sldId="642"/>
@@ -4195,7 +4203,7 @@
           </ac:spMkLst>
         </pc:spChg>
         <pc:spChg chg="add mod">
-          <ac:chgData name="Zhao Jin" userId="cd05a825-544c-438a-9ba1-08e63db50b47" providerId="ADAL" clId="{0DFC046B-AD3B-4EE8-83BD-34C0FBB05724}" dt="2021-03-15T05:01:24.247" v="1096" actId="20577"/>
+          <ac:chgData name="Zhao Jin" userId="cd05a825-544c-438a-9ba1-08e63db50b47" providerId="ADAL" clId="{0DFC046B-AD3B-4EE8-83BD-34C0FBB05724}" dt="2021-03-29T05:44:45.020" v="1535" actId="5793"/>
           <ac:spMkLst>
             <pc:docMk/>
             <pc:sldMk cId="4089006062" sldId="642"/>
@@ -4211,7 +4219,7 @@
           </ac:spMkLst>
         </pc:spChg>
         <pc:spChg chg="add mod">
-          <ac:chgData name="Zhao Jin" userId="cd05a825-544c-438a-9ba1-08e63db50b47" providerId="ADAL" clId="{0DFC046B-AD3B-4EE8-83BD-34C0FBB05724}" dt="2021-03-15T05:06:53.915" v="1462" actId="1035"/>
+          <ac:chgData name="Zhao Jin" userId="cd05a825-544c-438a-9ba1-08e63db50b47" providerId="ADAL" clId="{0DFC046B-AD3B-4EE8-83BD-34C0FBB05724}" dt="2021-03-29T05:46:02.881" v="1652" actId="1076"/>
           <ac:spMkLst>
             <pc:docMk/>
             <pc:sldMk cId="4089006062" sldId="642"/>
@@ -4242,12 +4250,20 @@
           </ac:spMkLst>
         </pc:spChg>
       </pc:sldChg>
-      <pc:sldChg chg="modSp add mod">
-        <pc:chgData name="Zhao Jin" userId="cd05a825-544c-438a-9ba1-08e63db50b47" providerId="ADAL" clId="{0DFC046B-AD3B-4EE8-83BD-34C0FBB05724}" dt="2021-03-15T05:17:44.572" v="1463" actId="20577"/>
+      <pc:sldChg chg="addSp delSp modSp add mod">
+        <pc:chgData name="Zhao Jin" userId="cd05a825-544c-438a-9ba1-08e63db50b47" providerId="ADAL" clId="{0DFC046B-AD3B-4EE8-83BD-34C0FBB05724}" dt="2021-03-29T05:44:16.436" v="1465"/>
         <pc:sldMkLst>
           <pc:docMk/>
           <pc:sldMk cId="791616712" sldId="644"/>
         </pc:sldMkLst>
+        <pc:spChg chg="add del mod">
+          <ac:chgData name="Zhao Jin" userId="cd05a825-544c-438a-9ba1-08e63db50b47" providerId="ADAL" clId="{0DFC046B-AD3B-4EE8-83BD-34C0FBB05724}" dt="2021-03-29T05:44:16.436" v="1465"/>
+          <ac:spMkLst>
+            <pc:docMk/>
+            <pc:sldMk cId="791616712" sldId="644"/>
+            <ac:spMk id="6" creationId="{9FAF66CA-4EC6-473F-93F2-9FDF6AAD6C1F}"/>
+          </ac:spMkLst>
+        </pc:spChg>
         <pc:spChg chg="mod">
           <ac:chgData name="Zhao Jin" userId="cd05a825-544c-438a-9ba1-08e63db50b47" providerId="ADAL" clId="{0DFC046B-AD3B-4EE8-83BD-34C0FBB05724}" dt="2021-03-15T05:17:44.572" v="1463" actId="20577"/>
           <ac:spMkLst>
@@ -9681,7 +9697,7 @@
               <a:pPr>
                 <a:defRPr/>
               </a:pPr>
-              <a:t>3/15/2021</a:t>
+              <a:t>3/29/2021</a:t>
             </a:fld>
             <a:endParaRPr lang="en-US" dirty="0"/>
           </a:p>
@@ -15772,7 +15788,7 @@
             </a:lvl9pPr>
           </a:lstStyle>
           <a:p>
-            <a:pPr marL="457200" indent="-457200" fontAlgn="auto">
+            <a:pPr marL="0" indent="0" fontAlgn="auto">
               <a:spcBef>
                 <a:spcPts val="1200"/>
               </a:spcBef>
@@ -15786,31 +15802,7 @@
                 </a:schemeClr>
               </a:buClr>
               <a:buSzPct val="100000"/>
-              <a:buFont typeface="Wingdings" pitchFamily="2" charset="2"/>
-              <a:buChar char="§"/>
-            </a:pPr>
-            <a:r>
-              <a:rPr lang="en-US" dirty="0"/>
-              <a:t>Implementation:</a:t>
-            </a:r>
-          </a:p>
-          <a:p>
-            <a:pPr marL="457200" indent="-457200" fontAlgn="auto">
-              <a:spcBef>
-                <a:spcPts val="1200"/>
-              </a:spcBef>
-              <a:spcAft>
-                <a:spcPts val="0"/>
-              </a:spcAft>
-              <a:buClr>
-                <a:schemeClr val="tx1">
-                  <a:lumMod val="90000"/>
-                  <a:lumOff val="10000"/>
-                </a:schemeClr>
-              </a:buClr>
-              <a:buSzPct val="100000"/>
-              <a:buFont typeface="Wingdings" pitchFamily="2" charset="2"/>
-              <a:buChar char="§"/>
+              <a:buNone/>
             </a:pPr>
             <a:endParaRPr lang="en-US" dirty="0"/>
           </a:p>
@@ -15830,8 +15822,8 @@
         </p:nvSpPr>
         <p:spPr>
           <a:xfrm>
-            <a:off x="682426" y="1658271"/>
-            <a:ext cx="8004374" cy="5078313"/>
+            <a:off x="682426" y="1224716"/>
+            <a:ext cx="8004374" cy="5386090"/>
           </a:xfrm>
           <a:prstGeom prst="rect">
             <a:avLst/>
@@ -15863,6 +15855,70 @@
             <a:r>
               <a:rPr lang="en-US" b="1" dirty="0">
                 <a:solidFill>
+                  <a:srgbClr val="006600"/>
+                </a:solidFill>
+                <a:latin typeface="Courier New" pitchFamily="49" charset="0"/>
+                <a:cs typeface="Courier New" pitchFamily="49" charset="0"/>
+              </a:rPr>
+              <a:t>// Generate all permutations of all the characters </a:t>
+            </a:r>
+            <a:br>
+              <a:rPr lang="en-US" b="1" dirty="0">
+                <a:solidFill>
+                  <a:srgbClr val="006600"/>
+                </a:solidFill>
+                <a:latin typeface="Courier New" pitchFamily="49" charset="0"/>
+                <a:cs typeface="Courier New" pitchFamily="49" charset="0"/>
+              </a:rPr>
+            </a:br>
+            <a:r>
+              <a:rPr lang="en-US" b="1" dirty="0">
+                <a:solidFill>
+                  <a:srgbClr val="006600"/>
+                </a:solidFill>
+                <a:latin typeface="Courier New" pitchFamily="49" charset="0"/>
+                <a:cs typeface="Courier New" pitchFamily="49" charset="0"/>
+              </a:rPr>
+              <a:t>// in a[</a:t>
+            </a:r>
+            <a:r>
+              <a:rPr lang="en-US" b="1" dirty="0" err="1">
+                <a:solidFill>
+                  <a:srgbClr val="006600"/>
+                </a:solidFill>
+                <a:latin typeface="Courier New" pitchFamily="49" charset="0"/>
+                <a:cs typeface="Courier New" pitchFamily="49" charset="0"/>
+              </a:rPr>
+              <a:t>curr</a:t>
+            </a:r>
+            <a:r>
+              <a:rPr lang="en-US" b="1">
+                <a:solidFill>
+                  <a:srgbClr val="006600"/>
+                </a:solidFill>
+                <a:latin typeface="Courier New" pitchFamily="49" charset="0"/>
+                <a:cs typeface="Courier New" pitchFamily="49" charset="0"/>
+              </a:rPr>
+              <a:t>] … a</a:t>
+            </a:r>
+            <a:r>
+              <a:rPr lang="en-US" b="1" dirty="0">
+                <a:solidFill>
+                  <a:srgbClr val="006600"/>
+                </a:solidFill>
+                <a:latin typeface="Courier New" pitchFamily="49" charset="0"/>
+                <a:cs typeface="Courier New" pitchFamily="49" charset="0"/>
+              </a:rPr>
+              <a:t>[len-1]</a:t>
+            </a:r>
+          </a:p>
+          <a:p>
+            <a:pPr>
+              <a:defRPr/>
+            </a:pPr>
+            <a:r>
+              <a:rPr lang="en-US" b="1" dirty="0">
+                <a:solidFill>
                   <a:srgbClr val="0000FF"/>
                 </a:solidFill>
                 <a:latin typeface="Courier New" pitchFamily="49" charset="0"/>
@@ -16174,6 +16230,28 @@
             <a:pPr>
               <a:defRPr/>
             </a:pPr>
+            <a:endParaRPr lang="en-US" sz="800" b="1" dirty="0">
+              <a:solidFill>
+                <a:schemeClr val="tx1"/>
+              </a:solidFill>
+              <a:latin typeface="Courier New" pitchFamily="49" charset="0"/>
+              <a:cs typeface="Courier New" pitchFamily="49" charset="0"/>
+            </a:endParaRPr>
+          </a:p>
+          <a:p>
+            <a:pPr>
+              <a:defRPr/>
+            </a:pPr>
+            <a:r>
+              <a:rPr lang="en-US" b="1" dirty="0">
+                <a:solidFill>
+                  <a:srgbClr val="006600"/>
+                </a:solidFill>
+                <a:latin typeface="Courier New" pitchFamily="49" charset="0"/>
+                <a:cs typeface="Courier New" pitchFamily="49" charset="0"/>
+              </a:rPr>
+              <a:t>  // Permute with the first letter as the start</a:t>
+            </a:r>
             <a:endParaRPr lang="en-US" b="1" dirty="0">
               <a:solidFill>
                 <a:schemeClr val="tx1"/>
@@ -16189,28 +16267,6 @@
             <a:r>
               <a:rPr lang="en-US" b="1" dirty="0">
                 <a:solidFill>
-                  <a:srgbClr val="006600"/>
-                </a:solidFill>
-                <a:latin typeface="Courier New" pitchFamily="49" charset="0"/>
-                <a:cs typeface="Courier New" pitchFamily="49" charset="0"/>
-              </a:rPr>
-              <a:t>  // Permute with the first letter as the start</a:t>
-            </a:r>
-            <a:endParaRPr lang="en-US" b="1" dirty="0">
-              <a:solidFill>
-                <a:schemeClr val="tx1"/>
-              </a:solidFill>
-              <a:latin typeface="Courier New" pitchFamily="49" charset="0"/>
-              <a:cs typeface="Courier New" pitchFamily="49" charset="0"/>
-            </a:endParaRPr>
-          </a:p>
-          <a:p>
-            <a:pPr>
-              <a:defRPr/>
-            </a:pPr>
-            <a:r>
-              <a:rPr lang="en-US" b="1" dirty="0">
-                <a:solidFill>
                   <a:schemeClr val="tx1"/>
                 </a:solidFill>
                 <a:latin typeface="Courier New" pitchFamily="49" charset="0"/>
@@ -16290,7 +16346,7 @@
             <a:pPr>
               <a:defRPr/>
             </a:pPr>
-            <a:endParaRPr lang="en-US" b="1" dirty="0">
+            <a:endParaRPr lang="en-US" sz="800" b="1" dirty="0">
               <a:solidFill>
                 <a:schemeClr val="tx1"/>
               </a:solidFill>
@@ -16765,7 +16821,7 @@
         </p:nvSpPr>
         <p:spPr>
           <a:xfrm>
-            <a:off x="7908059" y="1220015"/>
+            <a:off x="8102166" y="1068062"/>
             <a:ext cx="759691" cy="369332"/>
           </a:xfrm>
           <a:prstGeom prst="rect">
